--- a/MediTracker.pptx
+++ b/MediTracker.pptx
@@ -14311,7 +14311,7 @@
           <a:p>
             <a:fld id="{66ADB5B8-8AE4-1445-977D-FA351478A1CC}" type="datetimeFigureOut">
               <a:rPr lang="en-PS" smtClean="0"/>
-              <a:t>12/02/2025</a:t>
+              <a:t>13/02/2025</a:t>
             </a:fld>
             <a:endParaRPr lang="en-PS"/>
           </a:p>
@@ -15278,7 +15278,7 @@
           <a:p>
             <a:fld id="{5BCAD085-E8A6-8845-BD4E-CB4CCA059FC4}" type="datetimeFigureOut">
               <a:rPr lang="en-US" smtClean="0"/>
-              <a:t>2/12/25</a:t>
+              <a:t>2/13/25</a:t>
             </a:fld>
             <a:endParaRPr lang="en-US"/>
           </a:p>
@@ -15446,7 +15446,7 @@
           <a:p>
             <a:fld id="{5BCAD085-E8A6-8845-BD4E-CB4CCA059FC4}" type="datetimeFigureOut">
               <a:rPr lang="en-US" smtClean="0"/>
-              <a:t>2/12/25</a:t>
+              <a:t>2/13/25</a:t>
             </a:fld>
             <a:endParaRPr lang="en-US"/>
           </a:p>
@@ -15624,7 +15624,7 @@
           <a:p>
             <a:fld id="{5BCAD085-E8A6-8845-BD4E-CB4CCA059FC4}" type="datetimeFigureOut">
               <a:rPr lang="en-US" smtClean="0"/>
-              <a:t>2/12/25</a:t>
+              <a:t>2/13/25</a:t>
             </a:fld>
             <a:endParaRPr lang="en-US"/>
           </a:p>
@@ -16974,7 +16974,7 @@
           <a:p>
             <a:fld id="{5BCAD085-E8A6-8845-BD4E-CB4CCA059FC4}" type="datetimeFigureOut">
               <a:rPr lang="en-US" smtClean="0"/>
-              <a:t>2/12/25</a:t>
+              <a:t>2/13/25</a:t>
             </a:fld>
             <a:endParaRPr lang="en-US"/>
           </a:p>
@@ -17219,7 +17219,7 @@
           <a:p>
             <a:fld id="{5BCAD085-E8A6-8845-BD4E-CB4CCA059FC4}" type="datetimeFigureOut">
               <a:rPr lang="en-US" smtClean="0"/>
-              <a:t>2/12/25</a:t>
+              <a:t>2/13/25</a:t>
             </a:fld>
             <a:endParaRPr lang="en-US"/>
           </a:p>
@@ -17504,7 +17504,7 @@
           <a:p>
             <a:fld id="{5BCAD085-E8A6-8845-BD4E-CB4CCA059FC4}" type="datetimeFigureOut">
               <a:rPr lang="en-US" smtClean="0"/>
-              <a:t>2/12/25</a:t>
+              <a:t>2/13/25</a:t>
             </a:fld>
             <a:endParaRPr lang="en-US"/>
           </a:p>
@@ -17923,7 +17923,7 @@
           <a:p>
             <a:fld id="{5BCAD085-E8A6-8845-BD4E-CB4CCA059FC4}" type="datetimeFigureOut">
               <a:rPr lang="en-US" smtClean="0"/>
-              <a:t>2/12/25</a:t>
+              <a:t>2/13/25</a:t>
             </a:fld>
             <a:endParaRPr lang="en-US"/>
           </a:p>
@@ -18040,7 +18040,7 @@
           <a:p>
             <a:fld id="{5BCAD085-E8A6-8845-BD4E-CB4CCA059FC4}" type="datetimeFigureOut">
               <a:rPr lang="en-US" smtClean="0"/>
-              <a:t>2/12/25</a:t>
+              <a:t>2/13/25</a:t>
             </a:fld>
             <a:endParaRPr lang="en-US"/>
           </a:p>
@@ -18135,7 +18135,7 @@
           <a:p>
             <a:fld id="{5BCAD085-E8A6-8845-BD4E-CB4CCA059FC4}" type="datetimeFigureOut">
               <a:rPr lang="en-US" smtClean="0"/>
-              <a:t>2/12/25</a:t>
+              <a:t>2/13/25</a:t>
             </a:fld>
             <a:endParaRPr lang="en-US"/>
           </a:p>
@@ -18410,7 +18410,7 @@
           <a:p>
             <a:fld id="{5BCAD085-E8A6-8845-BD4E-CB4CCA059FC4}" type="datetimeFigureOut">
               <a:rPr lang="en-US" smtClean="0"/>
-              <a:t>2/12/25</a:t>
+              <a:t>2/13/25</a:t>
             </a:fld>
             <a:endParaRPr lang="en-US"/>
           </a:p>
@@ -18662,7 +18662,7 @@
           <a:p>
             <a:fld id="{5BCAD085-E8A6-8845-BD4E-CB4CCA059FC4}" type="datetimeFigureOut">
               <a:rPr lang="en-US" smtClean="0"/>
-              <a:t>2/12/25</a:t>
+              <a:t>2/13/25</a:t>
             </a:fld>
             <a:endParaRPr lang="en-US"/>
           </a:p>
@@ -18873,7 +18873,7 @@
           <a:p>
             <a:fld id="{5BCAD085-E8A6-8845-BD4E-CB4CCA059FC4}" type="datetimeFigureOut">
               <a:rPr lang="en-US" smtClean="0"/>
-              <a:t>2/12/25</a:t>
+              <a:t>2/13/25</a:t>
             </a:fld>
             <a:endParaRPr lang="en-US"/>
           </a:p>
@@ -23992,8 +23992,8 @@
         </p:nvSpPr>
         <p:spPr>
           <a:xfrm>
-            <a:off x="3987275" y="2088424"/>
-            <a:ext cx="4867358" cy="3737875"/>
+            <a:off x="3563331" y="1451921"/>
+            <a:ext cx="5300728" cy="3954157"/>
           </a:xfrm>
           <a:prstGeom prst="rect">
             <a:avLst/>
@@ -24009,14 +24009,15 @@
           </a:bodyPr>
           <a:lstStyle/>
           <a:p>
-            <a:pPr marL="0" lvl="0" indent="0" algn="l" rtl="0">
+            <a:pPr marL="342900" indent="-342900">
               <a:spcBef>
-                <a:spcPts val="0"/>
+                <a:spcPts val="1500"/>
               </a:spcBef>
               <a:spcAft>
-                <a:spcPts val="0"/>
+                <a:spcPts val="1500"/>
               </a:spcAft>
-              <a:buNone/>
+              <a:buFont typeface="Arial" panose="020B0604020202020204" pitchFamily="34" charset="0"/>
+              <a:buChar char="•"/>
             </a:pPr>
             <a:r>
               <a:rPr lang="en-US" sz="2400" b="0" i="0" dirty="0">
@@ -24026,8 +24027,71 @@
                 <a:effectLst/>
                 <a:latin typeface="Arial" panose="020B0604020202020204" pitchFamily="34" charset="0"/>
               </a:rPr>
-              <a:t>Meditracker is an innovative platform designed to optimize clinic workflows. </a:t>
+              <a:t>Your trusted healthcare management system. </a:t>
             </a:r>
+          </a:p>
+          <a:p>
+            <a:pPr marL="342900" indent="-342900">
+              <a:spcBef>
+                <a:spcPts val="1500"/>
+              </a:spcBef>
+              <a:spcAft>
+                <a:spcPts val="1500"/>
+              </a:spcAft>
+              <a:buFont typeface="Arial" panose="020B0604020202020204" pitchFamily="34" charset="0"/>
+              <a:buChar char="•"/>
+            </a:pPr>
+            <a:r>
+              <a:rPr lang="en-US" sz="2400" b="0" i="0" dirty="0">
+                <a:solidFill>
+                  <a:srgbClr val="000000"/>
+                </a:solidFill>
+                <a:effectLst/>
+                <a:latin typeface="Arial" panose="020B0604020202020204" pitchFamily="34" charset="0"/>
+              </a:rPr>
+              <a:t>Simplify clinic operations by efficiently managing roles, medical data, and prescriptions. </a:t>
+            </a:r>
+          </a:p>
+          <a:p>
+            <a:pPr marL="342900" indent="-342900">
+              <a:spcBef>
+                <a:spcPts val="1500"/>
+              </a:spcBef>
+              <a:spcAft>
+                <a:spcPts val="1500"/>
+              </a:spcAft>
+              <a:buFont typeface="Arial" panose="020B0604020202020204" pitchFamily="34" charset="0"/>
+              <a:buChar char="•"/>
+            </a:pPr>
+            <a:r>
+              <a:rPr lang="en-US" sz="2400" b="0" i="0" dirty="0">
+                <a:solidFill>
+                  <a:srgbClr val="000000"/>
+                </a:solidFill>
+                <a:effectLst/>
+                <a:latin typeface="Arial" panose="020B0604020202020204" pitchFamily="34" charset="0"/>
+              </a:rPr>
+              <a:t>Ensuring seamless collaboration between healthcare professionals and enhanced patient care.</a:t>
+            </a:r>
+          </a:p>
+          <a:p>
+            <a:pPr algn="ctr"/>
+            <a:br>
+              <a:rPr lang="en-US" sz="2400" b="0" i="0" dirty="0">
+                <a:solidFill>
+                  <a:srgbClr val="000000"/>
+                </a:solidFill>
+                <a:effectLst/>
+                <a:latin typeface="Arial" panose="020B0604020202020204" pitchFamily="34" charset="0"/>
+              </a:rPr>
+            </a:br>
+            <a:endParaRPr lang="en-US" sz="2400" b="0" i="0" dirty="0">
+              <a:solidFill>
+                <a:srgbClr val="000000"/>
+              </a:solidFill>
+              <a:effectLst/>
+              <a:latin typeface="Arial" panose="020B0604020202020204" pitchFamily="34" charset="0"/>
+            </a:endParaRPr>
           </a:p>
           <a:p>
             <a:pPr marL="0" lvl="0" indent="0" algn="l" rtl="0">
@@ -24044,36 +24108,6 @@
                 <a:srgbClr val="000000"/>
               </a:solidFill>
               <a:latin typeface="Arial" panose="020B0604020202020204" pitchFamily="34" charset="0"/>
-            </a:endParaRPr>
-          </a:p>
-          <a:p>
-            <a:pPr marL="0" lvl="0" indent="0" algn="l" rtl="0">
-              <a:spcBef>
-                <a:spcPts val="0"/>
-              </a:spcBef>
-              <a:spcAft>
-                <a:spcPts val="0"/>
-              </a:spcAft>
-              <a:buNone/>
-            </a:pPr>
-            <a:r>
-              <a:rPr lang="en-US" sz="2400" b="0" i="0" dirty="0">
-                <a:solidFill>
-                  <a:srgbClr val="000000"/>
-                </a:solidFill>
-                <a:effectLst/>
-                <a:latin typeface="Arial" panose="020B0604020202020204" pitchFamily="34" charset="0"/>
-              </a:rPr>
-              <a:t>By offering role-based access and streamlining the management of medical records and prescriptions.</a:t>
-            </a:r>
-            <a:endParaRPr sz="2200" dirty="0">
-              <a:solidFill>
-                <a:schemeClr val="dk1"/>
-              </a:solidFill>
-              <a:latin typeface="Carlito"/>
-              <a:ea typeface="Carlito"/>
-              <a:cs typeface="Carlito"/>
-              <a:sym typeface="Carlito"/>
             </a:endParaRPr>
           </a:p>
         </p:txBody>
